--- a/lab 2/实验课_Frequent itemset mining.pptx
+++ b/lab 2/实验课_Frequent itemset mining.pptx
@@ -8,6 +8,7 @@
     <p:sldId id="256" r:id="rId2"/>
     <p:sldId id="257" r:id="rId3"/>
     <p:sldId id="259" r:id="rId4"/>
+    <p:sldId id="258" r:id="rId5"/>
   </p:sldIdLst>
   <p:sldSz cx="12192000" cy="6858000"/>
   <p:notesSz cx="6858000" cy="9144000"/>
@@ -261,7 +262,7 @@
           <a:p>
             <a:fld id="{7C9C2A34-1F6A-4206-9B12-4C0B7DE2473E}" type="datetimeFigureOut">
               <a:rPr lang="zh-CN" altLang="en-US" smtClean="0"/>
-              <a:t>2024/3/26</a:t>
+              <a:t>2024/4/1</a:t>
             </a:fld>
             <a:endParaRPr lang="zh-CN" altLang="en-US"/>
           </a:p>
@@ -459,7 +460,7 @@
           <a:p>
             <a:fld id="{7C9C2A34-1F6A-4206-9B12-4C0B7DE2473E}" type="datetimeFigureOut">
               <a:rPr lang="zh-CN" altLang="en-US" smtClean="0"/>
-              <a:t>2024/3/26</a:t>
+              <a:t>2024/4/1</a:t>
             </a:fld>
             <a:endParaRPr lang="zh-CN" altLang="en-US"/>
           </a:p>
@@ -667,7 +668,7 @@
           <a:p>
             <a:fld id="{7C9C2A34-1F6A-4206-9B12-4C0B7DE2473E}" type="datetimeFigureOut">
               <a:rPr lang="zh-CN" altLang="en-US" smtClean="0"/>
-              <a:t>2024/3/26</a:t>
+              <a:t>2024/4/1</a:t>
             </a:fld>
             <a:endParaRPr lang="zh-CN" altLang="en-US"/>
           </a:p>
@@ -865,7 +866,7 @@
           <a:p>
             <a:fld id="{7C9C2A34-1F6A-4206-9B12-4C0B7DE2473E}" type="datetimeFigureOut">
               <a:rPr lang="zh-CN" altLang="en-US" smtClean="0"/>
-              <a:t>2024/3/26</a:t>
+              <a:t>2024/4/1</a:t>
             </a:fld>
             <a:endParaRPr lang="zh-CN" altLang="en-US"/>
           </a:p>
@@ -1140,7 +1141,7 @@
           <a:p>
             <a:fld id="{7C9C2A34-1F6A-4206-9B12-4C0B7DE2473E}" type="datetimeFigureOut">
               <a:rPr lang="zh-CN" altLang="en-US" smtClean="0"/>
-              <a:t>2024/3/26</a:t>
+              <a:t>2024/4/1</a:t>
             </a:fld>
             <a:endParaRPr lang="zh-CN" altLang="en-US"/>
           </a:p>
@@ -1405,7 +1406,7 @@
           <a:p>
             <a:fld id="{7C9C2A34-1F6A-4206-9B12-4C0B7DE2473E}" type="datetimeFigureOut">
               <a:rPr lang="zh-CN" altLang="en-US" smtClean="0"/>
-              <a:t>2024/3/26</a:t>
+              <a:t>2024/4/1</a:t>
             </a:fld>
             <a:endParaRPr lang="zh-CN" altLang="en-US"/>
           </a:p>
@@ -1817,7 +1818,7 @@
           <a:p>
             <a:fld id="{7C9C2A34-1F6A-4206-9B12-4C0B7DE2473E}" type="datetimeFigureOut">
               <a:rPr lang="zh-CN" altLang="en-US" smtClean="0"/>
-              <a:t>2024/3/26</a:t>
+              <a:t>2024/4/1</a:t>
             </a:fld>
             <a:endParaRPr lang="zh-CN" altLang="en-US"/>
           </a:p>
@@ -1958,7 +1959,7 @@
           <a:p>
             <a:fld id="{7C9C2A34-1F6A-4206-9B12-4C0B7DE2473E}" type="datetimeFigureOut">
               <a:rPr lang="zh-CN" altLang="en-US" smtClean="0"/>
-              <a:t>2024/3/26</a:t>
+              <a:t>2024/4/1</a:t>
             </a:fld>
             <a:endParaRPr lang="zh-CN" altLang="en-US"/>
           </a:p>
@@ -2071,7 +2072,7 @@
           <a:p>
             <a:fld id="{7C9C2A34-1F6A-4206-9B12-4C0B7DE2473E}" type="datetimeFigureOut">
               <a:rPr lang="zh-CN" altLang="en-US" smtClean="0"/>
-              <a:t>2024/3/26</a:t>
+              <a:t>2024/4/1</a:t>
             </a:fld>
             <a:endParaRPr lang="zh-CN" altLang="en-US"/>
           </a:p>
@@ -2382,7 +2383,7 @@
           <a:p>
             <a:fld id="{7C9C2A34-1F6A-4206-9B12-4C0B7DE2473E}" type="datetimeFigureOut">
               <a:rPr lang="zh-CN" altLang="en-US" smtClean="0"/>
-              <a:t>2024/3/26</a:t>
+              <a:t>2024/4/1</a:t>
             </a:fld>
             <a:endParaRPr lang="zh-CN" altLang="en-US"/>
           </a:p>
@@ -2670,7 +2671,7 @@
           <a:p>
             <a:fld id="{7C9C2A34-1F6A-4206-9B12-4C0B7DE2473E}" type="datetimeFigureOut">
               <a:rPr lang="zh-CN" altLang="en-US" smtClean="0"/>
-              <a:t>2024/3/26</a:t>
+              <a:t>2024/4/1</a:t>
             </a:fld>
             <a:endParaRPr lang="zh-CN" altLang="en-US"/>
           </a:p>
@@ -2911,7 +2912,7 @@
           <a:p>
             <a:fld id="{7C9C2A34-1F6A-4206-9B12-4C0B7DE2473E}" type="datetimeFigureOut">
               <a:rPr lang="zh-CN" altLang="en-US" smtClean="0"/>
-              <a:t>2024/3/26</a:t>
+              <a:t>2024/4/1</a:t>
             </a:fld>
             <a:endParaRPr lang="zh-CN" altLang="en-US"/>
           </a:p>
@@ -5232,6 +5233,266 @@
 </p:sld>
 </file>
 
+<file path=ppt/slides/slide4.xml><?xml version="1.0" encoding="utf-8"?>
+<p:sld xmlns:a="http://schemas.openxmlformats.org/drawingml/2006/main" xmlns:r="http://schemas.openxmlformats.org/officeDocument/2006/relationships" xmlns:p="http://schemas.openxmlformats.org/presentationml/2006/main">
+  <p:cSld>
+    <p:spTree>
+      <p:nvGrpSpPr>
+        <p:cNvPr id="1" name=""/>
+        <p:cNvGrpSpPr/>
+        <p:nvPr/>
+      </p:nvGrpSpPr>
+      <p:grpSpPr>
+        <a:xfrm>
+          <a:off x="0" y="0"/>
+          <a:ext cx="0" cy="0"/>
+          <a:chOff x="0" y="0"/>
+          <a:chExt cx="0" cy="0"/>
+        </a:xfrm>
+      </p:grpSpPr>
+      <p:sp>
+        <p:nvSpPr>
+          <p:cNvPr id="8" name="文本框 7">
+            <a:extLst>
+              <a:ext uri="{FF2B5EF4-FFF2-40B4-BE49-F238E27FC236}">
+                <a16:creationId xmlns:a16="http://schemas.microsoft.com/office/drawing/2014/main" id="{1EE1C7B8-56DE-4A7E-9E8E-FE4DE265F107}"/>
+              </a:ext>
+            </a:extLst>
+          </p:cNvPr>
+          <p:cNvSpPr txBox="1"/>
+          <p:nvPr/>
+        </p:nvSpPr>
+        <p:spPr>
+          <a:xfrm>
+            <a:off x="576011" y="549259"/>
+            <a:ext cx="2985336" cy="461665"/>
+          </a:xfrm>
+          <a:prstGeom prst="rect">
+            <a:avLst/>
+          </a:prstGeom>
+          <a:noFill/>
+        </p:spPr>
+        <p:txBody>
+          <a:bodyPr wrap="square">
+            <a:spAutoFit/>
+          </a:bodyPr>
+          <a:lstStyle/>
+          <a:p>
+            <a:r>
+              <a:rPr lang="en-US" altLang="zh-CN" sz="2400" b="1" dirty="0">
+                <a:effectLst/>
+                <a:latin typeface="Times New Roman" panose="02020603050405020304" pitchFamily="18" charset="0"/>
+                <a:ea typeface="宋体" panose="02010600030101010101" pitchFamily="2" charset="-122"/>
+                <a:cs typeface="Times New Roman" panose="02020603050405020304" pitchFamily="18" charset="0"/>
+              </a:rPr>
+              <a:t>FP-growth algorithm</a:t>
+            </a:r>
+          </a:p>
+        </p:txBody>
+      </p:sp>
+      <p:sp>
+        <p:nvSpPr>
+          <p:cNvPr id="10" name="文本框 9">
+            <a:extLst>
+              <a:ext uri="{FF2B5EF4-FFF2-40B4-BE49-F238E27FC236}">
+                <a16:creationId xmlns:a16="http://schemas.microsoft.com/office/drawing/2014/main" id="{F907273F-9F12-4E8D-AF99-AB7B49A26AE0}"/>
+              </a:ext>
+            </a:extLst>
+          </p:cNvPr>
+          <p:cNvSpPr txBox="1"/>
+          <p:nvPr/>
+        </p:nvSpPr>
+        <p:spPr>
+          <a:xfrm>
+            <a:off x="576011" y="1010924"/>
+            <a:ext cx="8411578" cy="923330"/>
+          </a:xfrm>
+          <a:prstGeom prst="rect">
+            <a:avLst/>
+          </a:prstGeom>
+          <a:noFill/>
+        </p:spPr>
+        <p:txBody>
+          <a:bodyPr wrap="square">
+            <a:spAutoFit/>
+          </a:bodyPr>
+          <a:lstStyle/>
+          <a:p>
+            <a:r>
+              <a:rPr lang="en-US" altLang="zh-CN" dirty="0">
+                <a:latin typeface="Times New Roman" panose="02020603050405020304" pitchFamily="18" charset="0"/>
+                <a:ea typeface="宋体" panose="02010600030101010101" pitchFamily="2" charset="-122"/>
+                <a:cs typeface="Times New Roman" panose="02020603050405020304" pitchFamily="18" charset="0"/>
+              </a:rPr>
+              <a:t>1. </a:t>
+            </a:r>
+            <a:r>
+              <a:rPr lang="en-GB" altLang="zh-CN" dirty="0">
+                <a:latin typeface="Times New Roman" panose="02020603050405020304" pitchFamily="18" charset="0"/>
+                <a:ea typeface="宋体" panose="02010600030101010101" pitchFamily="2" charset="-122"/>
+                <a:cs typeface="Times New Roman" panose="02020603050405020304" pitchFamily="18" charset="0"/>
+              </a:rPr>
+              <a:t>https://hands-on.cloud/implementation-of-fp-growth-algorithm-using-python/</a:t>
+            </a:r>
+          </a:p>
+          <a:p>
+            <a:r>
+              <a:rPr lang="zh-CN" altLang="en-US" dirty="0">
+                <a:latin typeface="Times New Roman" panose="02020603050405020304" pitchFamily="18" charset="0"/>
+                <a:ea typeface="宋体" panose="02010600030101010101" pitchFamily="2" charset="-122"/>
+                <a:cs typeface="Times New Roman" panose="02020603050405020304" pitchFamily="18" charset="0"/>
+              </a:rPr>
+              <a:t>    使用</a:t>
+            </a:r>
+            <a:r>
+              <a:rPr lang="en-US" altLang="zh-CN" dirty="0">
+                <a:latin typeface="Times New Roman" panose="02020603050405020304" pitchFamily="18" charset="0"/>
+                <a:ea typeface="宋体" panose="02010600030101010101" pitchFamily="2" charset="-122"/>
+                <a:cs typeface="Times New Roman" panose="02020603050405020304" pitchFamily="18" charset="0"/>
+              </a:rPr>
+              <a:t>python</a:t>
+            </a:r>
+            <a:r>
+              <a:rPr lang="zh-CN" altLang="en-US" dirty="0">
+                <a:latin typeface="Times New Roman" panose="02020603050405020304" pitchFamily="18" charset="0"/>
+                <a:ea typeface="宋体" panose="02010600030101010101" pitchFamily="2" charset="-122"/>
+                <a:cs typeface="Times New Roman" panose="02020603050405020304" pitchFamily="18" charset="0"/>
+              </a:rPr>
+              <a:t>实现</a:t>
+            </a:r>
+            <a:r>
+              <a:rPr lang="en-GB" altLang="zh-CN" dirty="0">
+                <a:latin typeface="Times New Roman" panose="02020603050405020304" pitchFamily="18" charset="0"/>
+                <a:ea typeface="宋体" panose="02010600030101010101" pitchFamily="2" charset="-122"/>
+                <a:cs typeface="Times New Roman" panose="02020603050405020304" pitchFamily="18" charset="0"/>
+              </a:rPr>
+              <a:t>FP-growth algorithm</a:t>
+            </a:r>
+            <a:r>
+              <a:rPr lang="zh-CN" altLang="en-US" dirty="0">
+                <a:latin typeface="Times New Roman" panose="02020603050405020304" pitchFamily="18" charset="0"/>
+                <a:ea typeface="宋体" panose="02010600030101010101" pitchFamily="2" charset="-122"/>
+                <a:cs typeface="Times New Roman" panose="02020603050405020304" pitchFamily="18" charset="0"/>
+              </a:rPr>
+              <a:t>，学习链接中的内容，复现链接中的代码</a:t>
+            </a:r>
+            <a:endParaRPr lang="en-US" altLang="zh-CN" dirty="0">
+              <a:latin typeface="Times New Roman" panose="02020603050405020304" pitchFamily="18" charset="0"/>
+              <a:ea typeface="宋体" panose="02010600030101010101" pitchFamily="2" charset="-122"/>
+              <a:cs typeface="Times New Roman" panose="02020603050405020304" pitchFamily="18" charset="0"/>
+            </a:endParaRPr>
+          </a:p>
+          <a:p>
+            <a:r>
+              <a:rPr lang="zh-CN" altLang="en-US" dirty="0">
+                <a:latin typeface="Times New Roman" panose="02020603050405020304" pitchFamily="18" charset="0"/>
+                <a:ea typeface="宋体" panose="02010600030101010101" pitchFamily="2" charset="-122"/>
+                <a:cs typeface="Times New Roman" panose="02020603050405020304" pitchFamily="18" charset="0"/>
+              </a:rPr>
+              <a:t>    提交一份命名为学号</a:t>
+            </a:r>
+            <a:r>
+              <a:rPr lang="en-US" altLang="zh-CN" dirty="0">
+                <a:latin typeface="Times New Roman" panose="02020603050405020304" pitchFamily="18" charset="0"/>
+                <a:ea typeface="宋体" panose="02010600030101010101" pitchFamily="2" charset="-122"/>
+                <a:cs typeface="Times New Roman" panose="02020603050405020304" pitchFamily="18" charset="0"/>
+              </a:rPr>
+              <a:t>_</a:t>
+            </a:r>
+            <a:r>
+              <a:rPr lang="zh-CN" altLang="en-US" dirty="0">
+                <a:latin typeface="Times New Roman" panose="02020603050405020304" pitchFamily="18" charset="0"/>
+                <a:ea typeface="宋体" panose="02010600030101010101" pitchFamily="2" charset="-122"/>
+                <a:cs typeface="Times New Roman" panose="02020603050405020304" pitchFamily="18" charset="0"/>
+              </a:rPr>
+              <a:t>姓名</a:t>
+            </a:r>
+            <a:r>
+              <a:rPr lang="en-US" altLang="zh-CN" dirty="0">
+                <a:latin typeface="Times New Roman" panose="02020603050405020304" pitchFamily="18" charset="0"/>
+                <a:ea typeface="宋体" panose="02010600030101010101" pitchFamily="2" charset="-122"/>
+                <a:cs typeface="Times New Roman" panose="02020603050405020304" pitchFamily="18" charset="0"/>
+              </a:rPr>
+              <a:t>_FP-growth</a:t>
+            </a:r>
+            <a:r>
+              <a:rPr lang="zh-CN" altLang="en-US" dirty="0">
+                <a:latin typeface="Times New Roman" panose="02020603050405020304" pitchFamily="18" charset="0"/>
+                <a:ea typeface="宋体" panose="02010600030101010101" pitchFamily="2" charset="-122"/>
+                <a:cs typeface="Times New Roman" panose="02020603050405020304" pitchFamily="18" charset="0"/>
+              </a:rPr>
+              <a:t>的代码文件</a:t>
+            </a:r>
+            <a:endParaRPr lang="en-GB" altLang="zh-CN" dirty="0">
+              <a:latin typeface="Times New Roman" panose="02020603050405020304" pitchFamily="18" charset="0"/>
+              <a:ea typeface="宋体" panose="02010600030101010101" pitchFamily="2" charset="-122"/>
+              <a:cs typeface="Times New Roman" panose="02020603050405020304" pitchFamily="18" charset="0"/>
+            </a:endParaRPr>
+          </a:p>
+        </p:txBody>
+      </p:sp>
+      <p:sp>
+        <p:nvSpPr>
+          <p:cNvPr id="4" name="文本框 3">
+            <a:extLst>
+              <a:ext uri="{FF2B5EF4-FFF2-40B4-BE49-F238E27FC236}">
+                <a16:creationId xmlns:a16="http://schemas.microsoft.com/office/drawing/2014/main" id="{AA619E78-FA82-4042-B32E-9D0FA816DF8C}"/>
+              </a:ext>
+            </a:extLst>
+          </p:cNvPr>
+          <p:cNvSpPr txBox="1"/>
+          <p:nvPr/>
+        </p:nvSpPr>
+        <p:spPr>
+          <a:xfrm>
+            <a:off x="576011" y="2395919"/>
+            <a:ext cx="5433763" cy="646331"/>
+          </a:xfrm>
+          <a:prstGeom prst="rect">
+            <a:avLst/>
+          </a:prstGeom>
+          <a:noFill/>
+        </p:spPr>
+        <p:txBody>
+          <a:bodyPr wrap="square">
+            <a:spAutoFit/>
+          </a:bodyPr>
+          <a:lstStyle/>
+          <a:p>
+            <a:r>
+              <a:rPr lang="en-GB" altLang="zh-CN" dirty="0">
+                <a:latin typeface="Times New Roman" panose="02020603050405020304" pitchFamily="18" charset="0"/>
+                <a:ea typeface="宋体" panose="02010600030101010101" pitchFamily="2" charset="-122"/>
+                <a:cs typeface="Times New Roman" panose="02020603050405020304" pitchFamily="18" charset="0"/>
+              </a:rPr>
+              <a:t>https://blog.csdn.net/songbinxu/article/details/80411388</a:t>
+            </a:r>
+          </a:p>
+          <a:p>
+            <a:r>
+              <a:rPr lang="en-GB" altLang="zh-CN" dirty="0">
+                <a:latin typeface="Times New Roman" panose="02020603050405020304" pitchFamily="18" charset="0"/>
+                <a:ea typeface="宋体" panose="02010600030101010101" pitchFamily="2" charset="-122"/>
+                <a:cs typeface="Times New Roman" panose="02020603050405020304" pitchFamily="18" charset="0"/>
+              </a:rPr>
+              <a:t>https://gitcode.com/SongDark/FPgrowth/tree/master</a:t>
+            </a:r>
+          </a:p>
+        </p:txBody>
+      </p:sp>
+    </p:spTree>
+    <p:extLst>
+      <p:ext uri="{BB962C8B-B14F-4D97-AF65-F5344CB8AC3E}">
+        <p14:creationId xmlns:p14="http://schemas.microsoft.com/office/powerpoint/2010/main" val="435679937"/>
+      </p:ext>
+    </p:extLst>
+  </p:cSld>
+  <p:clrMapOvr>
+    <a:masterClrMapping/>
+  </p:clrMapOvr>
+</p:sld>
+</file>
+
 <file path=ppt/theme/theme1.xml><?xml version="1.0" encoding="utf-8"?>
 <a:theme xmlns:a="http://schemas.openxmlformats.org/drawingml/2006/main" name="Office 主题​​">
   <a:themeElements>
